--- a/Presentation.pptx
+++ b/Presentation.pptx
@@ -5,7 +5,7 @@
     <p:sldMasterId id="2147483648" r:id="rId1"/>
   </p:sldMasterIdLst>
   <p:notesMasterIdLst>
-    <p:notesMasterId r:id="rId16"/>
+    <p:notesMasterId r:id="rId17"/>
   </p:notesMasterIdLst>
   <p:sldIdLst>
     <p:sldId id="257" r:id="rId2"/>
@@ -22,6 +22,7 @@
     <p:sldId id="271" r:id="rId13"/>
     <p:sldId id="267" r:id="rId14"/>
     <p:sldId id="272" r:id="rId15"/>
+    <p:sldId id="273" r:id="rId16"/>
   </p:sldIdLst>
   <p:sldSz cx="9144000" cy="6858000" type="screen4x3"/>
   <p:notesSz cx="6858000" cy="9144000"/>
@@ -4315,6 +4316,140 @@
           <a:p>
             <a:pPr algn="ctr"/>
             <a:endParaRPr lang="de-CH"/>
+          </a:p>
+        </p:txBody>
+      </p:sp>
+    </p:spTree>
+  </p:cSld>
+  <p:clrMapOvr>
+    <a:masterClrMapping/>
+  </p:clrMapOvr>
+</p:sld>
+</file>
+
+<file path=ppt/slides/slide15.xml><?xml version="1.0" encoding="utf-8"?>
+<p:sld xmlns:a="http://schemas.openxmlformats.org/drawingml/2006/main" xmlns:r="http://schemas.openxmlformats.org/officeDocument/2006/relationships" xmlns:p="http://schemas.openxmlformats.org/presentationml/2006/main">
+  <p:cSld>
+    <p:spTree>
+      <p:nvGrpSpPr>
+        <p:cNvPr id="1" name=""/>
+        <p:cNvGrpSpPr/>
+        <p:nvPr/>
+      </p:nvGrpSpPr>
+      <p:grpSpPr>
+        <a:xfrm>
+          <a:off x="0" y="0"/>
+          <a:ext cx="0" cy="0"/>
+          <a:chOff x="0" y="0"/>
+          <a:chExt cx="0" cy="0"/>
+        </a:xfrm>
+      </p:grpSpPr>
+      <p:sp>
+        <p:nvSpPr>
+          <p:cNvPr id="2" name="Titel 1"/>
+          <p:cNvSpPr>
+            <a:spLocks noGrp="1"/>
+          </p:cNvSpPr>
+          <p:nvPr>
+            <p:ph type="title"/>
+          </p:nvPr>
+        </p:nvSpPr>
+        <p:spPr/>
+        <p:txBody>
+          <a:bodyPr/>
+          <a:lstStyle/>
+          <a:p>
+            <a:r>
+              <a:rPr lang="de-CH" dirty="0" err="1" smtClean="0"/>
+              <a:t>use</a:t>
+            </a:r>
+            <a:endParaRPr lang="de-CH" dirty="0"/>
+          </a:p>
+        </p:txBody>
+      </p:sp>
+      <p:sp>
+        <p:nvSpPr>
+          <p:cNvPr id="3" name="Inhaltsplatzhalter 2"/>
+          <p:cNvSpPr>
+            <a:spLocks noGrp="1"/>
+          </p:cNvSpPr>
+          <p:nvPr>
+            <p:ph idx="1"/>
+          </p:nvPr>
+        </p:nvSpPr>
+        <p:spPr/>
+        <p:txBody>
+          <a:bodyPr/>
+          <a:lstStyle/>
+          <a:p>
+            <a:endParaRPr lang="de-CH" dirty="0"/>
+          </a:p>
+        </p:txBody>
+      </p:sp>
+      <p:pic>
+        <p:nvPicPr>
+          <p:cNvPr id="29698" name="Picture 2" descr="E:\Hackaton\SteamyPluto\img\logo.png"/>
+          <p:cNvPicPr>
+            <a:picLocks noChangeAspect="1" noChangeArrowheads="1"/>
+          </p:cNvPicPr>
+          <p:nvPr/>
+        </p:nvPicPr>
+        <p:blipFill>
+          <a:blip r:embed="rId2" cstate="print"/>
+          <a:srcRect/>
+          <a:stretch>
+            <a:fillRect/>
+          </a:stretch>
+        </p:blipFill>
+        <p:spPr bwMode="auto">
+          <a:xfrm>
+            <a:off x="3635896" y="1772816"/>
+            <a:ext cx="1872208" cy="1872208"/>
+          </a:xfrm>
+          <a:prstGeom prst="rect">
+            <a:avLst/>
+          </a:prstGeom>
+          <a:noFill/>
+        </p:spPr>
+      </p:pic>
+      <p:sp>
+        <p:nvSpPr>
+          <p:cNvPr id="5" name="Textfeld 4"/>
+          <p:cNvSpPr txBox="1"/>
+          <p:nvPr/>
+        </p:nvSpPr>
+        <p:spPr>
+          <a:xfrm>
+            <a:off x="2771800" y="3645024"/>
+            <a:ext cx="3600400" cy="1938992"/>
+          </a:xfrm>
+          <a:prstGeom prst="rect">
+            <a:avLst/>
+          </a:prstGeom>
+          <a:noFill/>
+        </p:spPr>
+        <p:txBody>
+          <a:bodyPr wrap="square" rtlCol="0">
+            <a:spAutoFit/>
+          </a:bodyPr>
+          <a:lstStyle/>
+          <a:p>
+            <a:pPr algn="ctr"/>
+            <a:r>
+              <a:rPr lang="de-CH" sz="6000" dirty="0" err="1" smtClean="0">
+                <a:latin typeface="Bauhaus 93" pitchFamily="82" charset="0"/>
+              </a:rPr>
+              <a:t>Steamy</a:t>
+            </a:r>
+            <a:r>
+              <a:rPr lang="de-CH" sz="6000" dirty="0" smtClean="0">
+                <a:latin typeface="Bauhaus 93" pitchFamily="82" charset="0"/>
+              </a:rPr>
+              <a:t> Pluto</a:t>
+            </a:r>
+            <a:endParaRPr lang="de-CH" sz="6000" dirty="0">
+              <a:latin typeface="Bauhaus 93" pitchFamily="82" charset="0"/>
+            </a:endParaRPr>
           </a:p>
         </p:txBody>
       </p:sp>
